--- a/Slides/Lecture07 - JSON and the REST - ASP.NET Core.pptx
+++ b/Slides/Lecture07 - JSON and the REST - ASP.NET Core.pptx
@@ -350,7 +350,7 @@
               <a:rPr lang="en-US" smtClean="0">
                 <a:latin typeface="Segoe UI" pitchFamily="34" charset="0"/>
               </a:rPr>
-              <a:t>10/6/2020 8:10 PM</a:t>
+              <a:t>10/7/2020 10:12 AM</a:t>
             </a:fld>
             <a:endParaRPr lang="en-US" dirty="0">
               <a:latin typeface="Segoe UI" pitchFamily="34" charset="0"/>
@@ -628,7 +628,7 @@
           <a:p>
             <a:fld id="{386CE63F-9E7F-4C04-9D0D-FCA25A8E9E86}" type="datetime8">
               <a:rPr lang="en-US" smtClean="0"/>
-              <a:t>10/6/2020 8:09 PM</a:t>
+              <a:t>10/7/2020 7:53 AM</a:t>
             </a:fld>
             <a:endParaRPr lang="en-US" dirty="0"/>
           </a:p>
@@ -995,7 +995,7 @@
           <a:p>
             <a:fld id="{321E5A7B-BB8D-4368-A182-109669521632}" type="datetime8">
               <a:rPr lang="en-US" smtClean="0"/>
-              <a:t>10/6/2020 8:09 PM</a:t>
+              <a:t>10/7/2020 7:53 AM</a:t>
             </a:fld>
             <a:endParaRPr lang="en-US" dirty="0"/>
           </a:p>
@@ -20300,13 +20300,13 @@
   <p:clrMapOvr>
     <a:masterClrMapping/>
   </p:clrMapOvr>
-  <mc:AlternateContent xmlns:mc="http://schemas.openxmlformats.org/markup-compatibility/2006">
-    <mc:Choice xmlns:p14="http://schemas.microsoft.com/office/powerpoint/2010/main" Requires="p14">
+  <mc:AlternateContent xmlns:mc="http://schemas.openxmlformats.org/markup-compatibility/2006" xmlns:p14="http://schemas.microsoft.com/office/powerpoint/2010/main">
+    <mc:Choice Requires="p14">
       <p:transition spd="med" p14:dur="700">
         <p:fade/>
       </p:transition>
     </mc:Choice>
-    <mc:Fallback>
+    <mc:Fallback xmlns="">
       <p:transition spd="med">
         <p:fade/>
       </p:transition>
@@ -29727,12 +29727,7 @@
             <p:ph type="title"/>
           </p:nvPr>
         </p:nvSpPr>
-        <p:spPr>
-          <a:xfrm>
-            <a:off x="588263" y="457200"/>
-            <a:ext cx="11018520" cy="553998"/>
-          </a:xfrm>
-        </p:spPr>
+        <p:spPr/>
         <p:txBody>
           <a:bodyPr/>
           <a:lstStyle/>
@@ -29763,8 +29758,8 @@
         </p:nvSpPr>
         <p:spPr>
           <a:xfrm>
-            <a:off x="586390" y="1434370"/>
-            <a:ext cx="11018520" cy="4739759"/>
+            <a:off x="588263" y="1436688"/>
+            <a:ext cx="11018520" cy="4930581"/>
           </a:xfrm>
         </p:spPr>
         <p:txBody>
@@ -29772,98 +29767,801 @@
           <a:lstStyle/>
           <a:p>
             <a:r>
-              <a:rPr lang="da-DK" sz="2000" dirty="0">
-                <a:latin typeface="Consolas" panose="020B0609020204030204" pitchFamily="49" charset="0"/>
-              </a:rPr>
-              <a:t>dotnet add package Swashbuckle.AspNetCore --version 5.0.0-rc4</a:t>
-            </a:r>
-          </a:p>
-          <a:p>
-            <a:endParaRPr lang="da-DK" sz="2000" dirty="0">
-              <a:latin typeface="Consolas" panose="020B0609020204030204" pitchFamily="49" charset="0"/>
+              <a:rPr lang="da-DK" sz="1800" dirty="0">
+                <a:latin typeface="Cascadia Code PL" panose="020B0609020000020004" pitchFamily="49" charset="0"/>
+                <a:cs typeface="Cascadia Code PL" panose="020B0609020000020004" pitchFamily="49" charset="0"/>
+              </a:rPr>
+              <a:t>dotnet add package </a:t>
+            </a:r>
+            <a:r>
+              <a:rPr lang="da-DK" sz="1800" dirty="0" err="1">
+                <a:latin typeface="Cascadia Code PL" panose="020B0609020000020004" pitchFamily="49" charset="0"/>
+                <a:cs typeface="Cascadia Code PL" panose="020B0609020000020004" pitchFamily="49" charset="0"/>
+              </a:rPr>
+              <a:t>Swashbuckle.AspNetCore</a:t>
+            </a:r>
+            <a:endParaRPr lang="da-DK" sz="1800" dirty="0">
+              <a:latin typeface="Cascadia Code PL" panose="020B0609020000020004" pitchFamily="49" charset="0"/>
+              <a:cs typeface="Cascadia Code PL" panose="020B0609020000020004" pitchFamily="49" charset="0"/>
             </a:endParaRPr>
           </a:p>
           <a:p>
-            <a:r>
-              <a:rPr lang="da-DK" sz="2000" dirty="0">
-                <a:latin typeface="Consolas" panose="020B0609020204030204" pitchFamily="49" charset="0"/>
-              </a:rPr>
-              <a:t>services.AddSwaggerGen(c =&gt;</a:t>
-            </a:r>
-          </a:p>
-          <a:p>
-            <a:r>
-              <a:rPr lang="da-DK" sz="2000" dirty="0">
-                <a:latin typeface="Consolas" panose="020B0609020204030204" pitchFamily="49" charset="0"/>
+            <a:endParaRPr lang="da-DK" sz="1800" dirty="0">
+              <a:latin typeface="Cascadia Code PL" panose="020B0609020000020004" pitchFamily="49" charset="0"/>
+              <a:cs typeface="Cascadia Code PL" panose="020B0609020000020004" pitchFamily="49" charset="0"/>
+            </a:endParaRPr>
+          </a:p>
+          <a:p>
+            <a:r>
+              <a:rPr lang="da-DK" sz="1800" b="0" dirty="0" err="1">
+                <a:solidFill>
+                  <a:srgbClr val="C586C0"/>
+                </a:solidFill>
+                <a:effectLst/>
+                <a:latin typeface="Cascadia Code PL" panose="020B0609020000020004" pitchFamily="49" charset="0"/>
+                <a:cs typeface="Cascadia Code PL" panose="020B0609020000020004" pitchFamily="49" charset="0"/>
+              </a:rPr>
+              <a:t>using</a:t>
+            </a:r>
+            <a:r>
+              <a:rPr lang="da-DK" sz="1800" b="0" dirty="0">
+                <a:solidFill>
+                  <a:srgbClr val="D4D4D4"/>
+                </a:solidFill>
+                <a:effectLst/>
+                <a:latin typeface="Cascadia Code PL" panose="020B0609020000020004" pitchFamily="49" charset="0"/>
+                <a:cs typeface="Cascadia Code PL" panose="020B0609020000020004" pitchFamily="49" charset="0"/>
+              </a:rPr>
+              <a:t> </a:t>
+            </a:r>
+            <a:r>
+              <a:rPr lang="da-DK" sz="1800" b="0" dirty="0" err="1">
+                <a:solidFill>
+                  <a:srgbClr val="4EC9B0"/>
+                </a:solidFill>
+                <a:effectLst/>
+                <a:latin typeface="Cascadia Code PL" panose="020B0609020000020004" pitchFamily="49" charset="0"/>
+                <a:cs typeface="Cascadia Code PL" panose="020B0609020000020004" pitchFamily="49" charset="0"/>
+              </a:rPr>
+              <a:t>Microsoft</a:t>
+            </a:r>
+            <a:r>
+              <a:rPr lang="da-DK" sz="1800" b="0" dirty="0" err="1">
+                <a:solidFill>
+                  <a:srgbClr val="D4D4D4"/>
+                </a:solidFill>
+                <a:effectLst/>
+                <a:latin typeface="Cascadia Code PL" panose="020B0609020000020004" pitchFamily="49" charset="0"/>
+                <a:cs typeface="Cascadia Code PL" panose="020B0609020000020004" pitchFamily="49" charset="0"/>
+              </a:rPr>
+              <a:t>.</a:t>
+            </a:r>
+            <a:r>
+              <a:rPr lang="da-DK" sz="1800" b="0" dirty="0" err="1">
+                <a:solidFill>
+                  <a:srgbClr val="4EC9B0"/>
+                </a:solidFill>
+                <a:effectLst/>
+                <a:latin typeface="Cascadia Code PL" panose="020B0609020000020004" pitchFamily="49" charset="0"/>
+                <a:cs typeface="Cascadia Code PL" panose="020B0609020000020004" pitchFamily="49" charset="0"/>
+              </a:rPr>
+              <a:t>OpenApi</a:t>
+            </a:r>
+            <a:r>
+              <a:rPr lang="da-DK" sz="1800" b="0" dirty="0" err="1">
+                <a:solidFill>
+                  <a:srgbClr val="D4D4D4"/>
+                </a:solidFill>
+                <a:effectLst/>
+                <a:latin typeface="Cascadia Code PL" panose="020B0609020000020004" pitchFamily="49" charset="0"/>
+                <a:cs typeface="Cascadia Code PL" panose="020B0609020000020004" pitchFamily="49" charset="0"/>
+              </a:rPr>
+              <a:t>.</a:t>
+            </a:r>
+            <a:r>
+              <a:rPr lang="da-DK" sz="1800" b="0" dirty="0" err="1">
+                <a:solidFill>
+                  <a:srgbClr val="4EC9B0"/>
+                </a:solidFill>
+                <a:effectLst/>
+                <a:latin typeface="Cascadia Code PL" panose="020B0609020000020004" pitchFamily="49" charset="0"/>
+                <a:cs typeface="Cascadia Code PL" panose="020B0609020000020004" pitchFamily="49" charset="0"/>
+              </a:rPr>
+              <a:t>Models</a:t>
+            </a:r>
+            <a:r>
+              <a:rPr lang="da-DK" sz="1800" b="0" dirty="0">
+                <a:solidFill>
+                  <a:srgbClr val="D4D4D4"/>
+                </a:solidFill>
+                <a:effectLst/>
+                <a:latin typeface="Cascadia Code PL" panose="020B0609020000020004" pitchFamily="49" charset="0"/>
+                <a:cs typeface="Cascadia Code PL" panose="020B0609020000020004" pitchFamily="49" charset="0"/>
+              </a:rPr>
+              <a:t>;</a:t>
+            </a:r>
+          </a:p>
+          <a:p>
+            <a:endParaRPr lang="da-DK" sz="1800" b="0" dirty="0">
+              <a:solidFill>
+                <a:srgbClr val="D4D4D4"/>
+              </a:solidFill>
+              <a:effectLst/>
+              <a:latin typeface="Cascadia Code PL" panose="020B0609020000020004" pitchFamily="49" charset="0"/>
+              <a:cs typeface="Cascadia Code PL" panose="020B0609020000020004" pitchFamily="49" charset="0"/>
+            </a:endParaRPr>
+          </a:p>
+          <a:p>
+            <a:r>
+              <a:rPr lang="da-DK" sz="1800" b="0" dirty="0" err="1">
+                <a:solidFill>
+                  <a:srgbClr val="9CDCFE"/>
+                </a:solidFill>
+                <a:effectLst/>
+                <a:latin typeface="Cascadia Code PL" panose="020B0609020000020004" pitchFamily="49" charset="0"/>
+                <a:cs typeface="Cascadia Code PL" panose="020B0609020000020004" pitchFamily="49" charset="0"/>
+              </a:rPr>
+              <a:t>services</a:t>
+            </a:r>
+            <a:r>
+              <a:rPr lang="da-DK" sz="1800" b="0" dirty="0" err="1">
+                <a:solidFill>
+                  <a:srgbClr val="D4D4D4"/>
+                </a:solidFill>
+                <a:effectLst/>
+                <a:latin typeface="Cascadia Code PL" panose="020B0609020000020004" pitchFamily="49" charset="0"/>
+                <a:cs typeface="Cascadia Code PL" panose="020B0609020000020004" pitchFamily="49" charset="0"/>
+              </a:rPr>
+              <a:t>.</a:t>
+            </a:r>
+            <a:r>
+              <a:rPr lang="da-DK" sz="1800" b="0" dirty="0" err="1">
+                <a:solidFill>
+                  <a:srgbClr val="DCDCAA"/>
+                </a:solidFill>
+                <a:effectLst/>
+                <a:latin typeface="Cascadia Code PL" panose="020B0609020000020004" pitchFamily="49" charset="0"/>
+                <a:cs typeface="Cascadia Code PL" panose="020B0609020000020004" pitchFamily="49" charset="0"/>
+              </a:rPr>
+              <a:t>AddSwaggerGen</a:t>
+            </a:r>
+            <a:r>
+              <a:rPr lang="da-DK" sz="1800" b="0" dirty="0">
+                <a:solidFill>
+                  <a:srgbClr val="D4D4D4"/>
+                </a:solidFill>
+                <a:effectLst/>
+                <a:latin typeface="Cascadia Code PL" panose="020B0609020000020004" pitchFamily="49" charset="0"/>
+                <a:cs typeface="Cascadia Code PL" panose="020B0609020000020004" pitchFamily="49" charset="0"/>
+              </a:rPr>
+              <a:t>(</a:t>
+            </a:r>
+            <a:r>
+              <a:rPr lang="da-DK" sz="1800" b="0" dirty="0">
+                <a:solidFill>
+                  <a:srgbClr val="9CDCFE"/>
+                </a:solidFill>
+                <a:effectLst/>
+                <a:latin typeface="Cascadia Code PL" panose="020B0609020000020004" pitchFamily="49" charset="0"/>
+                <a:cs typeface="Cascadia Code PL" panose="020B0609020000020004" pitchFamily="49" charset="0"/>
+              </a:rPr>
+              <a:t>c</a:t>
+            </a:r>
+            <a:r>
+              <a:rPr lang="da-DK" sz="1800" b="0" dirty="0">
+                <a:solidFill>
+                  <a:srgbClr val="D4D4D4"/>
+                </a:solidFill>
+                <a:effectLst/>
+                <a:latin typeface="Cascadia Code PL" panose="020B0609020000020004" pitchFamily="49" charset="0"/>
+                <a:cs typeface="Cascadia Code PL" panose="020B0609020000020004" pitchFamily="49" charset="0"/>
+              </a:rPr>
+              <a:t> =&gt;</a:t>
+            </a:r>
+          </a:p>
+          <a:p>
+            <a:r>
+              <a:rPr lang="da-DK" sz="1800" b="0" dirty="0">
+                <a:solidFill>
+                  <a:srgbClr val="D4D4D4"/>
+                </a:solidFill>
+                <a:effectLst/>
+                <a:latin typeface="Cascadia Code PL" panose="020B0609020000020004" pitchFamily="49" charset="0"/>
+                <a:cs typeface="Cascadia Code PL" panose="020B0609020000020004" pitchFamily="49" charset="0"/>
               </a:rPr>
               <a:t>{</a:t>
             </a:r>
           </a:p>
           <a:p>
             <a:r>
-              <a:rPr lang="da-DK" sz="2000" dirty="0">
-                <a:latin typeface="Consolas" panose="020B0609020204030204" pitchFamily="49" charset="0"/>
-              </a:rPr>
-              <a:t>    c.SwaggerDoc("v1", new OpenApiInfo { Title = "My API", Version = "v1" });</a:t>
-            </a:r>
-          </a:p>
-          <a:p>
-            <a:r>
-              <a:rPr lang="da-DK" sz="2000" dirty="0">
-                <a:latin typeface="Consolas" panose="020B0609020204030204" pitchFamily="49" charset="0"/>
+              <a:rPr lang="da-DK" sz="1800" b="0" dirty="0">
+                <a:solidFill>
+                  <a:srgbClr val="D4D4D4"/>
+                </a:solidFill>
+                <a:effectLst/>
+                <a:latin typeface="Cascadia Code PL" panose="020B0609020000020004" pitchFamily="49" charset="0"/>
+                <a:cs typeface="Cascadia Code PL" panose="020B0609020000020004" pitchFamily="49" charset="0"/>
+              </a:rPr>
+              <a:t>    </a:t>
+            </a:r>
+            <a:r>
+              <a:rPr lang="da-DK" sz="1800" b="0" dirty="0" err="1">
+                <a:solidFill>
+                  <a:srgbClr val="9CDCFE"/>
+                </a:solidFill>
+                <a:effectLst/>
+                <a:latin typeface="Cascadia Code PL" panose="020B0609020000020004" pitchFamily="49" charset="0"/>
+                <a:cs typeface="Cascadia Code PL" panose="020B0609020000020004" pitchFamily="49" charset="0"/>
+              </a:rPr>
+              <a:t>c</a:t>
+            </a:r>
+            <a:r>
+              <a:rPr lang="da-DK" sz="1800" b="0" dirty="0" err="1">
+                <a:solidFill>
+                  <a:srgbClr val="D4D4D4"/>
+                </a:solidFill>
+                <a:effectLst/>
+                <a:latin typeface="Cascadia Code PL" panose="020B0609020000020004" pitchFamily="49" charset="0"/>
+                <a:cs typeface="Cascadia Code PL" panose="020B0609020000020004" pitchFamily="49" charset="0"/>
+              </a:rPr>
+              <a:t>.</a:t>
+            </a:r>
+            <a:r>
+              <a:rPr lang="da-DK" sz="1800" b="0" dirty="0" err="1">
+                <a:solidFill>
+                  <a:srgbClr val="DCDCAA"/>
+                </a:solidFill>
+                <a:effectLst/>
+                <a:latin typeface="Cascadia Code PL" panose="020B0609020000020004" pitchFamily="49" charset="0"/>
+                <a:cs typeface="Cascadia Code PL" panose="020B0609020000020004" pitchFamily="49" charset="0"/>
+              </a:rPr>
+              <a:t>SwaggerDoc</a:t>
+            </a:r>
+            <a:r>
+              <a:rPr lang="da-DK" sz="1800" b="0" dirty="0">
+                <a:solidFill>
+                  <a:srgbClr val="D4D4D4"/>
+                </a:solidFill>
+                <a:effectLst/>
+                <a:latin typeface="Cascadia Code PL" panose="020B0609020000020004" pitchFamily="49" charset="0"/>
+                <a:cs typeface="Cascadia Code PL" panose="020B0609020000020004" pitchFamily="49" charset="0"/>
+              </a:rPr>
+              <a:t>(</a:t>
+            </a:r>
+            <a:r>
+              <a:rPr lang="da-DK" sz="1800" b="0" dirty="0">
+                <a:solidFill>
+                  <a:srgbClr val="CE9178"/>
+                </a:solidFill>
+                <a:effectLst/>
+                <a:latin typeface="Cascadia Code PL" panose="020B0609020000020004" pitchFamily="49" charset="0"/>
+                <a:cs typeface="Cascadia Code PL" panose="020B0609020000020004" pitchFamily="49" charset="0"/>
+              </a:rPr>
+              <a:t>"v1"</a:t>
+            </a:r>
+            <a:r>
+              <a:rPr lang="da-DK" sz="1800" b="0" dirty="0">
+                <a:solidFill>
+                  <a:srgbClr val="D4D4D4"/>
+                </a:solidFill>
+                <a:effectLst/>
+                <a:latin typeface="Cascadia Code PL" panose="020B0609020000020004" pitchFamily="49" charset="0"/>
+                <a:cs typeface="Cascadia Code PL" panose="020B0609020000020004" pitchFamily="49" charset="0"/>
+              </a:rPr>
+              <a:t>, </a:t>
+            </a:r>
+            <a:r>
+              <a:rPr lang="da-DK" sz="1800" b="0" dirty="0">
+                <a:solidFill>
+                  <a:srgbClr val="569CD6"/>
+                </a:solidFill>
+                <a:effectLst/>
+                <a:latin typeface="Cascadia Code PL" panose="020B0609020000020004" pitchFamily="49" charset="0"/>
+                <a:cs typeface="Cascadia Code PL" panose="020B0609020000020004" pitchFamily="49" charset="0"/>
+              </a:rPr>
+              <a:t>new</a:t>
+            </a:r>
+            <a:r>
+              <a:rPr lang="da-DK" sz="1800" b="0" dirty="0">
+                <a:solidFill>
+                  <a:srgbClr val="D4D4D4"/>
+                </a:solidFill>
+                <a:effectLst/>
+                <a:latin typeface="Cascadia Code PL" panose="020B0609020000020004" pitchFamily="49" charset="0"/>
+                <a:cs typeface="Cascadia Code PL" panose="020B0609020000020004" pitchFamily="49" charset="0"/>
+              </a:rPr>
+              <a:t> </a:t>
+            </a:r>
+            <a:r>
+              <a:rPr lang="da-DK" sz="1800" b="0" dirty="0" err="1">
+                <a:solidFill>
+                  <a:srgbClr val="4EC9B0"/>
+                </a:solidFill>
+                <a:effectLst/>
+                <a:latin typeface="Cascadia Code PL" panose="020B0609020000020004" pitchFamily="49" charset="0"/>
+                <a:cs typeface="Cascadia Code PL" panose="020B0609020000020004" pitchFamily="49" charset="0"/>
+              </a:rPr>
+              <a:t>OpenApiInfo</a:t>
+            </a:r>
+            <a:r>
+              <a:rPr lang="da-DK" sz="1800" b="0" dirty="0">
+                <a:solidFill>
+                  <a:srgbClr val="D4D4D4"/>
+                </a:solidFill>
+                <a:effectLst/>
+                <a:latin typeface="Cascadia Code PL" panose="020B0609020000020004" pitchFamily="49" charset="0"/>
+                <a:cs typeface="Cascadia Code PL" panose="020B0609020000020004" pitchFamily="49" charset="0"/>
+              </a:rPr>
+              <a:t> { </a:t>
+            </a:r>
+            <a:r>
+              <a:rPr lang="da-DK" sz="1800" b="0" dirty="0">
+                <a:solidFill>
+                  <a:srgbClr val="9CDCFE"/>
+                </a:solidFill>
+                <a:effectLst/>
+                <a:latin typeface="Cascadia Code PL" panose="020B0609020000020004" pitchFamily="49" charset="0"/>
+                <a:cs typeface="Cascadia Code PL" panose="020B0609020000020004" pitchFamily="49" charset="0"/>
+              </a:rPr>
+              <a:t>Title</a:t>
+            </a:r>
+            <a:r>
+              <a:rPr lang="da-DK" sz="1800" b="0" dirty="0">
+                <a:solidFill>
+                  <a:srgbClr val="D4D4D4"/>
+                </a:solidFill>
+                <a:effectLst/>
+                <a:latin typeface="Cascadia Code PL" panose="020B0609020000020004" pitchFamily="49" charset="0"/>
+                <a:cs typeface="Cascadia Code PL" panose="020B0609020000020004" pitchFamily="49" charset="0"/>
+              </a:rPr>
+              <a:t> = </a:t>
+            </a:r>
+            <a:r>
+              <a:rPr lang="da-DK" sz="1800" b="0" dirty="0">
+                <a:solidFill>
+                  <a:srgbClr val="CE9178"/>
+                </a:solidFill>
+                <a:effectLst/>
+                <a:latin typeface="Cascadia Code PL" panose="020B0609020000020004" pitchFamily="49" charset="0"/>
+                <a:cs typeface="Cascadia Code PL" panose="020B0609020000020004" pitchFamily="49" charset="0"/>
+              </a:rPr>
+              <a:t>"My API"</a:t>
+            </a:r>
+            <a:r>
+              <a:rPr lang="da-DK" sz="1800" b="0" dirty="0">
+                <a:solidFill>
+                  <a:srgbClr val="D4D4D4"/>
+                </a:solidFill>
+                <a:effectLst/>
+                <a:latin typeface="Cascadia Code PL" panose="020B0609020000020004" pitchFamily="49" charset="0"/>
+                <a:cs typeface="Cascadia Code PL" panose="020B0609020000020004" pitchFamily="49" charset="0"/>
+              </a:rPr>
+              <a:t>, </a:t>
+            </a:r>
+            <a:r>
+              <a:rPr lang="da-DK" sz="1800" b="0" dirty="0">
+                <a:solidFill>
+                  <a:srgbClr val="9CDCFE"/>
+                </a:solidFill>
+                <a:effectLst/>
+                <a:latin typeface="Cascadia Code PL" panose="020B0609020000020004" pitchFamily="49" charset="0"/>
+                <a:cs typeface="Cascadia Code PL" panose="020B0609020000020004" pitchFamily="49" charset="0"/>
+              </a:rPr>
+              <a:t>Version</a:t>
+            </a:r>
+            <a:r>
+              <a:rPr lang="da-DK" sz="1800" b="0" dirty="0">
+                <a:solidFill>
+                  <a:srgbClr val="D4D4D4"/>
+                </a:solidFill>
+                <a:effectLst/>
+                <a:latin typeface="Cascadia Code PL" panose="020B0609020000020004" pitchFamily="49" charset="0"/>
+                <a:cs typeface="Cascadia Code PL" panose="020B0609020000020004" pitchFamily="49" charset="0"/>
+              </a:rPr>
+              <a:t> = </a:t>
+            </a:r>
+            <a:r>
+              <a:rPr lang="da-DK" sz="1800" b="0" dirty="0">
+                <a:solidFill>
+                  <a:srgbClr val="CE9178"/>
+                </a:solidFill>
+                <a:effectLst/>
+                <a:latin typeface="Cascadia Code PL" panose="020B0609020000020004" pitchFamily="49" charset="0"/>
+                <a:cs typeface="Cascadia Code PL" panose="020B0609020000020004" pitchFamily="49" charset="0"/>
+              </a:rPr>
+              <a:t>"v1"</a:t>
+            </a:r>
+            <a:r>
+              <a:rPr lang="da-DK" sz="1800" b="0" dirty="0">
+                <a:solidFill>
+                  <a:srgbClr val="D4D4D4"/>
+                </a:solidFill>
+                <a:effectLst/>
+                <a:latin typeface="Cascadia Code PL" panose="020B0609020000020004" pitchFamily="49" charset="0"/>
+                <a:cs typeface="Cascadia Code PL" panose="020B0609020000020004" pitchFamily="49" charset="0"/>
+              </a:rPr>
+              <a:t> });</a:t>
+            </a:r>
+          </a:p>
+          <a:p>
+            <a:r>
+              <a:rPr lang="da-DK" sz="1800" b="0" dirty="0">
+                <a:solidFill>
+                  <a:srgbClr val="D4D4D4"/>
+                </a:solidFill>
+                <a:effectLst/>
+                <a:latin typeface="Cascadia Code PL" panose="020B0609020000020004" pitchFamily="49" charset="0"/>
+                <a:cs typeface="Cascadia Code PL" panose="020B0609020000020004" pitchFamily="49" charset="0"/>
               </a:rPr>
               <a:t>});</a:t>
             </a:r>
           </a:p>
           <a:p>
-            <a:endParaRPr lang="da-DK" sz="2000" dirty="0">
-              <a:latin typeface="Consolas" panose="020B0609020204030204" pitchFamily="49" charset="0"/>
+            <a:endParaRPr lang="da-DK" sz="1800" dirty="0">
+              <a:latin typeface="Cascadia Code PL" panose="020B0609020000020004" pitchFamily="49" charset="0"/>
+              <a:cs typeface="Cascadia Code PL" panose="020B0609020000020004" pitchFamily="49" charset="0"/>
             </a:endParaRPr>
           </a:p>
           <a:p>
             <a:r>
-              <a:rPr lang="da-DK" sz="2000" dirty="0">
-                <a:latin typeface="Consolas" panose="020B0609020204030204" pitchFamily="49" charset="0"/>
-              </a:rPr>
-              <a:t>app.UseSwagger();</a:t>
-            </a:r>
-          </a:p>
-          <a:p>
-            <a:r>
-              <a:rPr lang="da-DK" sz="2000" dirty="0">
-                <a:latin typeface="Consolas" panose="020B0609020204030204" pitchFamily="49" charset="0"/>
-              </a:rPr>
-              <a:t>app.UseSwaggerUI(c =&gt;</a:t>
-            </a:r>
-          </a:p>
-          <a:p>
-            <a:r>
-              <a:rPr lang="da-DK" sz="2000" dirty="0">
-                <a:latin typeface="Consolas" panose="020B0609020204030204" pitchFamily="49" charset="0"/>
+              <a:rPr lang="da-DK" sz="1800" b="0" dirty="0" err="1">
+                <a:solidFill>
+                  <a:srgbClr val="9CDCFE"/>
+                </a:solidFill>
+                <a:effectLst/>
+                <a:latin typeface="Cascadia Code PL" panose="020B0609020000020004" pitchFamily="49" charset="0"/>
+                <a:cs typeface="Cascadia Code PL" panose="020B0609020000020004" pitchFamily="49" charset="0"/>
+              </a:rPr>
+              <a:t>app</a:t>
+            </a:r>
+            <a:r>
+              <a:rPr lang="da-DK" sz="1800" b="0" dirty="0" err="1">
+                <a:solidFill>
+                  <a:srgbClr val="D4D4D4"/>
+                </a:solidFill>
+                <a:effectLst/>
+                <a:latin typeface="Cascadia Code PL" panose="020B0609020000020004" pitchFamily="49" charset="0"/>
+                <a:cs typeface="Cascadia Code PL" panose="020B0609020000020004" pitchFamily="49" charset="0"/>
+              </a:rPr>
+              <a:t>.</a:t>
+            </a:r>
+            <a:r>
+              <a:rPr lang="da-DK" sz="1800" b="0" dirty="0" err="1">
+                <a:solidFill>
+                  <a:srgbClr val="DCDCAA"/>
+                </a:solidFill>
+                <a:effectLst/>
+                <a:latin typeface="Cascadia Code PL" panose="020B0609020000020004" pitchFamily="49" charset="0"/>
+                <a:cs typeface="Cascadia Code PL" panose="020B0609020000020004" pitchFamily="49" charset="0"/>
+              </a:rPr>
+              <a:t>UseSwagger</a:t>
+            </a:r>
+            <a:r>
+              <a:rPr lang="da-DK" sz="1800" b="0" dirty="0">
+                <a:solidFill>
+                  <a:srgbClr val="D4D4D4"/>
+                </a:solidFill>
+                <a:effectLst/>
+                <a:latin typeface="Cascadia Code PL" panose="020B0609020000020004" pitchFamily="49" charset="0"/>
+                <a:cs typeface="Cascadia Code PL" panose="020B0609020000020004" pitchFamily="49" charset="0"/>
+              </a:rPr>
+              <a:t>();</a:t>
+            </a:r>
+          </a:p>
+          <a:p>
+            <a:r>
+              <a:rPr lang="da-DK" sz="1800" b="0" dirty="0" err="1">
+                <a:solidFill>
+                  <a:srgbClr val="9CDCFE"/>
+                </a:solidFill>
+                <a:effectLst/>
+                <a:latin typeface="Cascadia Code PL" panose="020B0609020000020004" pitchFamily="49" charset="0"/>
+                <a:cs typeface="Cascadia Code PL" panose="020B0609020000020004" pitchFamily="49" charset="0"/>
+              </a:rPr>
+              <a:t>app</a:t>
+            </a:r>
+            <a:r>
+              <a:rPr lang="da-DK" sz="1800" b="0" dirty="0" err="1">
+                <a:solidFill>
+                  <a:srgbClr val="D4D4D4"/>
+                </a:solidFill>
+                <a:effectLst/>
+                <a:latin typeface="Cascadia Code PL" panose="020B0609020000020004" pitchFamily="49" charset="0"/>
+                <a:cs typeface="Cascadia Code PL" panose="020B0609020000020004" pitchFamily="49" charset="0"/>
+              </a:rPr>
+              <a:t>.</a:t>
+            </a:r>
+            <a:r>
+              <a:rPr lang="da-DK" sz="1800" b="0" dirty="0" err="1">
+                <a:solidFill>
+                  <a:srgbClr val="DCDCAA"/>
+                </a:solidFill>
+                <a:effectLst/>
+                <a:latin typeface="Cascadia Code PL" panose="020B0609020000020004" pitchFamily="49" charset="0"/>
+                <a:cs typeface="Cascadia Code PL" panose="020B0609020000020004" pitchFamily="49" charset="0"/>
+              </a:rPr>
+              <a:t>UseSwaggerUI</a:t>
+            </a:r>
+            <a:r>
+              <a:rPr lang="da-DK" sz="1800" b="0" dirty="0">
+                <a:solidFill>
+                  <a:srgbClr val="D4D4D4"/>
+                </a:solidFill>
+                <a:effectLst/>
+                <a:latin typeface="Cascadia Code PL" panose="020B0609020000020004" pitchFamily="49" charset="0"/>
+                <a:cs typeface="Cascadia Code PL" panose="020B0609020000020004" pitchFamily="49" charset="0"/>
+              </a:rPr>
+              <a:t>(</a:t>
+            </a:r>
+            <a:r>
+              <a:rPr lang="da-DK" sz="1800" b="0" dirty="0">
+                <a:solidFill>
+                  <a:srgbClr val="9CDCFE"/>
+                </a:solidFill>
+                <a:effectLst/>
+                <a:latin typeface="Cascadia Code PL" panose="020B0609020000020004" pitchFamily="49" charset="0"/>
+                <a:cs typeface="Cascadia Code PL" panose="020B0609020000020004" pitchFamily="49" charset="0"/>
+              </a:rPr>
+              <a:t>c</a:t>
+            </a:r>
+            <a:r>
+              <a:rPr lang="da-DK" sz="1800" b="0" dirty="0">
+                <a:solidFill>
+                  <a:srgbClr val="D4D4D4"/>
+                </a:solidFill>
+                <a:effectLst/>
+                <a:latin typeface="Cascadia Code PL" panose="020B0609020000020004" pitchFamily="49" charset="0"/>
+                <a:cs typeface="Cascadia Code PL" panose="020B0609020000020004" pitchFamily="49" charset="0"/>
+              </a:rPr>
+              <a:t> =&gt;</a:t>
+            </a:r>
+          </a:p>
+          <a:p>
+            <a:r>
+              <a:rPr lang="da-DK" sz="1800" b="0" dirty="0">
+                <a:solidFill>
+                  <a:srgbClr val="D4D4D4"/>
+                </a:solidFill>
+                <a:effectLst/>
+                <a:latin typeface="Cascadia Code PL" panose="020B0609020000020004" pitchFamily="49" charset="0"/>
+                <a:cs typeface="Cascadia Code PL" panose="020B0609020000020004" pitchFamily="49" charset="0"/>
               </a:rPr>
               <a:t>{</a:t>
             </a:r>
           </a:p>
           <a:p>
             <a:r>
-              <a:rPr lang="da-DK" sz="2000" dirty="0">
-                <a:latin typeface="Consolas" panose="020B0609020204030204" pitchFamily="49" charset="0"/>
-              </a:rPr>
-              <a:t>    c.SwaggerEndpoint("/swagger/v1/swagger.json", "My API V1");</a:t>
-            </a:r>
-          </a:p>
-          <a:p>
-            <a:r>
-              <a:rPr lang="da-DK" sz="2000" dirty="0">
-                <a:latin typeface="Consolas" panose="020B0609020204030204" pitchFamily="49" charset="0"/>
-              </a:rPr>
-              <a:t>    c.RoutePrefix = string.Empty;</a:t>
-            </a:r>
-          </a:p>
-          <a:p>
-            <a:r>
-              <a:rPr lang="da-DK" sz="2000" dirty="0">
-                <a:latin typeface="Consolas" panose="020B0609020204030204" pitchFamily="49" charset="0"/>
+              <a:rPr lang="da-DK" sz="1800" b="0" dirty="0">
+                <a:solidFill>
+                  <a:srgbClr val="D4D4D4"/>
+                </a:solidFill>
+                <a:effectLst/>
+                <a:latin typeface="Cascadia Code PL" panose="020B0609020000020004" pitchFamily="49" charset="0"/>
+                <a:cs typeface="Cascadia Code PL" panose="020B0609020000020004" pitchFamily="49" charset="0"/>
+              </a:rPr>
+              <a:t>    </a:t>
+            </a:r>
+            <a:r>
+              <a:rPr lang="da-DK" sz="1800" b="0" dirty="0" err="1">
+                <a:solidFill>
+                  <a:srgbClr val="9CDCFE"/>
+                </a:solidFill>
+                <a:effectLst/>
+                <a:latin typeface="Cascadia Code PL" panose="020B0609020000020004" pitchFamily="49" charset="0"/>
+                <a:cs typeface="Cascadia Code PL" panose="020B0609020000020004" pitchFamily="49" charset="0"/>
+              </a:rPr>
+              <a:t>c</a:t>
+            </a:r>
+            <a:r>
+              <a:rPr lang="da-DK" sz="1800" b="0" dirty="0" err="1">
+                <a:solidFill>
+                  <a:srgbClr val="D4D4D4"/>
+                </a:solidFill>
+                <a:effectLst/>
+                <a:latin typeface="Cascadia Code PL" panose="020B0609020000020004" pitchFamily="49" charset="0"/>
+                <a:cs typeface="Cascadia Code PL" panose="020B0609020000020004" pitchFamily="49" charset="0"/>
+              </a:rPr>
+              <a:t>.</a:t>
+            </a:r>
+            <a:r>
+              <a:rPr lang="da-DK" sz="1800" b="0" dirty="0" err="1">
+                <a:solidFill>
+                  <a:srgbClr val="DCDCAA"/>
+                </a:solidFill>
+                <a:effectLst/>
+                <a:latin typeface="Cascadia Code PL" panose="020B0609020000020004" pitchFamily="49" charset="0"/>
+                <a:cs typeface="Cascadia Code PL" panose="020B0609020000020004" pitchFamily="49" charset="0"/>
+              </a:rPr>
+              <a:t>SwaggerEndpoint</a:t>
+            </a:r>
+            <a:r>
+              <a:rPr lang="da-DK" sz="1800" b="0" dirty="0">
+                <a:solidFill>
+                  <a:srgbClr val="D4D4D4"/>
+                </a:solidFill>
+                <a:effectLst/>
+                <a:latin typeface="Cascadia Code PL" panose="020B0609020000020004" pitchFamily="49" charset="0"/>
+                <a:cs typeface="Cascadia Code PL" panose="020B0609020000020004" pitchFamily="49" charset="0"/>
+              </a:rPr>
+              <a:t>(</a:t>
+            </a:r>
+            <a:r>
+              <a:rPr lang="da-DK" sz="1800" b="0" dirty="0">
+                <a:solidFill>
+                  <a:srgbClr val="CE9178"/>
+                </a:solidFill>
+                <a:effectLst/>
+                <a:latin typeface="Cascadia Code PL" panose="020B0609020000020004" pitchFamily="49" charset="0"/>
+                <a:cs typeface="Cascadia Code PL" panose="020B0609020000020004" pitchFamily="49" charset="0"/>
+              </a:rPr>
+              <a:t>"/swagger/v1/</a:t>
+            </a:r>
+            <a:r>
+              <a:rPr lang="da-DK" sz="1800" b="0" dirty="0" err="1">
+                <a:solidFill>
+                  <a:srgbClr val="CE9178"/>
+                </a:solidFill>
+                <a:effectLst/>
+                <a:latin typeface="Cascadia Code PL" panose="020B0609020000020004" pitchFamily="49" charset="0"/>
+                <a:cs typeface="Cascadia Code PL" panose="020B0609020000020004" pitchFamily="49" charset="0"/>
+              </a:rPr>
+              <a:t>swagger.json</a:t>
+            </a:r>
+            <a:r>
+              <a:rPr lang="da-DK" sz="1800" b="0" dirty="0">
+                <a:solidFill>
+                  <a:srgbClr val="CE9178"/>
+                </a:solidFill>
+                <a:effectLst/>
+                <a:latin typeface="Cascadia Code PL" panose="020B0609020000020004" pitchFamily="49" charset="0"/>
+                <a:cs typeface="Cascadia Code PL" panose="020B0609020000020004" pitchFamily="49" charset="0"/>
+              </a:rPr>
+              <a:t>"</a:t>
+            </a:r>
+            <a:r>
+              <a:rPr lang="da-DK" sz="1800" b="0" dirty="0">
+                <a:solidFill>
+                  <a:srgbClr val="D4D4D4"/>
+                </a:solidFill>
+                <a:effectLst/>
+                <a:latin typeface="Cascadia Code PL" panose="020B0609020000020004" pitchFamily="49" charset="0"/>
+                <a:cs typeface="Cascadia Code PL" panose="020B0609020000020004" pitchFamily="49" charset="0"/>
+              </a:rPr>
+              <a:t>, </a:t>
+            </a:r>
+            <a:r>
+              <a:rPr lang="da-DK" sz="1800" b="0" dirty="0">
+                <a:solidFill>
+                  <a:srgbClr val="CE9178"/>
+                </a:solidFill>
+                <a:effectLst/>
+                <a:latin typeface="Cascadia Code PL" panose="020B0609020000020004" pitchFamily="49" charset="0"/>
+                <a:cs typeface="Cascadia Code PL" panose="020B0609020000020004" pitchFamily="49" charset="0"/>
+              </a:rPr>
+              <a:t>"My API V1"</a:t>
+            </a:r>
+            <a:r>
+              <a:rPr lang="da-DK" sz="1800" b="0" dirty="0">
+                <a:solidFill>
+                  <a:srgbClr val="D4D4D4"/>
+                </a:solidFill>
+                <a:effectLst/>
+                <a:latin typeface="Cascadia Code PL" panose="020B0609020000020004" pitchFamily="49" charset="0"/>
+                <a:cs typeface="Cascadia Code PL" panose="020B0609020000020004" pitchFamily="49" charset="0"/>
+              </a:rPr>
+              <a:t>);</a:t>
+            </a:r>
+          </a:p>
+          <a:p>
+            <a:r>
+              <a:rPr lang="da-DK" sz="1800" b="0" dirty="0">
+                <a:solidFill>
+                  <a:srgbClr val="D4D4D4"/>
+                </a:solidFill>
+                <a:effectLst/>
+                <a:latin typeface="Cascadia Code PL" panose="020B0609020000020004" pitchFamily="49" charset="0"/>
+                <a:cs typeface="Cascadia Code PL" panose="020B0609020000020004" pitchFamily="49" charset="0"/>
+              </a:rPr>
+              <a:t>    </a:t>
+            </a:r>
+            <a:r>
+              <a:rPr lang="da-DK" sz="1800" b="0" dirty="0" err="1">
+                <a:solidFill>
+                  <a:srgbClr val="9CDCFE"/>
+                </a:solidFill>
+                <a:effectLst/>
+                <a:latin typeface="Cascadia Code PL" panose="020B0609020000020004" pitchFamily="49" charset="0"/>
+                <a:cs typeface="Cascadia Code PL" panose="020B0609020000020004" pitchFamily="49" charset="0"/>
+              </a:rPr>
+              <a:t>c</a:t>
+            </a:r>
+            <a:r>
+              <a:rPr lang="da-DK" sz="1800" b="0" dirty="0" err="1">
+                <a:solidFill>
+                  <a:srgbClr val="D4D4D4"/>
+                </a:solidFill>
+                <a:effectLst/>
+                <a:latin typeface="Cascadia Code PL" panose="020B0609020000020004" pitchFamily="49" charset="0"/>
+                <a:cs typeface="Cascadia Code PL" panose="020B0609020000020004" pitchFamily="49" charset="0"/>
+              </a:rPr>
+              <a:t>.</a:t>
+            </a:r>
+            <a:r>
+              <a:rPr lang="da-DK" sz="1800" b="0" dirty="0" err="1">
+                <a:solidFill>
+                  <a:srgbClr val="9CDCFE"/>
+                </a:solidFill>
+                <a:effectLst/>
+                <a:latin typeface="Cascadia Code PL" panose="020B0609020000020004" pitchFamily="49" charset="0"/>
+                <a:cs typeface="Cascadia Code PL" panose="020B0609020000020004" pitchFamily="49" charset="0"/>
+              </a:rPr>
+              <a:t>RoutePrefix</a:t>
+            </a:r>
+            <a:r>
+              <a:rPr lang="da-DK" sz="1800" b="0" dirty="0">
+                <a:solidFill>
+                  <a:srgbClr val="D4D4D4"/>
+                </a:solidFill>
+                <a:effectLst/>
+                <a:latin typeface="Cascadia Code PL" panose="020B0609020000020004" pitchFamily="49" charset="0"/>
+                <a:cs typeface="Cascadia Code PL" panose="020B0609020000020004" pitchFamily="49" charset="0"/>
+              </a:rPr>
+              <a:t> = </a:t>
+            </a:r>
+            <a:r>
+              <a:rPr lang="da-DK" sz="1800" b="0" dirty="0" err="1">
+                <a:solidFill>
+                  <a:srgbClr val="9CDCFE"/>
+                </a:solidFill>
+                <a:effectLst/>
+                <a:latin typeface="Cascadia Code PL" panose="020B0609020000020004" pitchFamily="49" charset="0"/>
+                <a:cs typeface="Cascadia Code PL" panose="020B0609020000020004" pitchFamily="49" charset="0"/>
+              </a:rPr>
+              <a:t>string</a:t>
+            </a:r>
+            <a:r>
+              <a:rPr lang="da-DK" sz="1800" b="0" dirty="0" err="1">
+                <a:solidFill>
+                  <a:srgbClr val="D4D4D4"/>
+                </a:solidFill>
+                <a:effectLst/>
+                <a:latin typeface="Cascadia Code PL" panose="020B0609020000020004" pitchFamily="49" charset="0"/>
+                <a:cs typeface="Cascadia Code PL" panose="020B0609020000020004" pitchFamily="49" charset="0"/>
+              </a:rPr>
+              <a:t>.</a:t>
+            </a:r>
+            <a:r>
+              <a:rPr lang="da-DK" sz="1800" b="0" dirty="0" err="1">
+                <a:solidFill>
+                  <a:srgbClr val="9CDCFE"/>
+                </a:solidFill>
+                <a:effectLst/>
+                <a:latin typeface="Cascadia Code PL" panose="020B0609020000020004" pitchFamily="49" charset="0"/>
+                <a:cs typeface="Cascadia Code PL" panose="020B0609020000020004" pitchFamily="49" charset="0"/>
+              </a:rPr>
+              <a:t>Empty</a:t>
+            </a:r>
+            <a:r>
+              <a:rPr lang="da-DK" sz="1800" b="0" dirty="0">
+                <a:solidFill>
+                  <a:srgbClr val="D4D4D4"/>
+                </a:solidFill>
+                <a:effectLst/>
+                <a:latin typeface="Cascadia Code PL" panose="020B0609020000020004" pitchFamily="49" charset="0"/>
+                <a:cs typeface="Cascadia Code PL" panose="020B0609020000020004" pitchFamily="49" charset="0"/>
+              </a:rPr>
+              <a:t>;</a:t>
+            </a:r>
+          </a:p>
+          <a:p>
+            <a:r>
+              <a:rPr lang="da-DK" sz="1800" b="0" dirty="0">
+                <a:solidFill>
+                  <a:srgbClr val="D4D4D4"/>
+                </a:solidFill>
+                <a:effectLst/>
+                <a:latin typeface="Cascadia Code PL" panose="020B0609020000020004" pitchFamily="49" charset="0"/>
+                <a:cs typeface="Cascadia Code PL" panose="020B0609020000020004" pitchFamily="49" charset="0"/>
               </a:rPr>
               <a:t>});</a:t>
             </a:r>
@@ -30183,7 +30881,15 @@
           <a:p>
             <a:r>
               <a:rPr lang="da-DK" dirty="0"/>
-              <a:t>Azure AD (lecture 11)</a:t>
+              <a:t>Azure AD (</a:t>
+            </a:r>
+            <a:r>
+              <a:rPr lang="da-DK" dirty="0" err="1"/>
+              <a:t>later</a:t>
+            </a:r>
+            <a:r>
+              <a:rPr lang="da-DK" dirty="0"/>
+              <a:t>)</a:t>
             </a:r>
           </a:p>
           <a:p>
@@ -33985,14 +34691,6 @@
 </file>
 
 <file path=customXml/item1.xml><?xml version="1.0" encoding="utf-8"?>
-<p:properties xmlns:p="http://schemas.microsoft.com/office/2006/metadata/properties" xmlns:xsi="http://www.w3.org/2001/XMLSchema-instance" xmlns:pc="http://schemas.microsoft.com/office/infopath/2007/PartnerControls">
-  <documentManagement>
-    <MediaServiceKeyPoints xmlns="965de625-df5b-42e9-a277-2113da4f1195" xsi:nil="true"/>
-  </documentManagement>
-</p:properties>
-</file>
-
-<file path=customXml/item2.xml><?xml version="1.0" encoding="utf-8"?>
 <ct:contentTypeSchema xmlns:ct="http://schemas.microsoft.com/office/2006/metadata/contentType" xmlns:ma="http://schemas.microsoft.com/office/2006/metadata/properties/metaAttributes" ct:_="" ma:_="" ma:contentTypeName="Document" ma:contentTypeID="0x010100BD9FAF4CD5AD2F4B99B5B2414089ABF7" ma:contentTypeVersion="14" ma:contentTypeDescription="Create a new document." ma:contentTypeScope="" ma:versionID="15419eb272c8997d22174cab72b81ac5">
   <xsd:schema xmlns:xsd="http://www.w3.org/2001/XMLSchema" xmlns:xs="http://www.w3.org/2001/XMLSchema" xmlns:p="http://schemas.microsoft.com/office/2006/metadata/properties" xmlns:ns2="dcf5ddc1-fb1d-440f-849a-6450bddbaed7" xmlns:ns3="965de625-df5b-42e9-a277-2113da4f1195" targetNamespace="http://schemas.microsoft.com/office/2006/metadata/properties" ma:root="true" ma:fieldsID="366f960d0717a06e650b8dd07cd5f805" ns2:_="" ns3:_="">
     <xsd:import namespace="dcf5ddc1-fb1d-440f-849a-6450bddbaed7"/>
@@ -34223,7 +34921,7 @@
 </ct:contentTypeSchema>
 </file>
 
-<file path=customXml/item3.xml><?xml version="1.0" encoding="utf-8"?>
+<file path=customXml/item2.xml><?xml version="1.0" encoding="utf-8"?>
 <?mso-contentType ?>
 <FormTemplates xmlns="http://schemas.microsoft.com/sharepoint/v3/contenttype/forms">
   <Display>DocumentLibraryForm</Display>
@@ -34232,26 +34930,15 @@
 </FormTemplates>
 </file>
 
-<file path=customXml/itemProps1.xml><?xml version="1.0" encoding="utf-8"?>
-<ds:datastoreItem xmlns:ds="http://schemas.openxmlformats.org/officeDocument/2006/customXml" ds:itemID="{F990F116-B58F-4255-B05B-DA3808E0E5C6}">
-  <ds:schemaRefs>
-    <ds:schemaRef ds:uri="http://purl.org/dc/elements/1.1/"/>
-    <ds:schemaRef ds:uri="http://schemas.microsoft.com/office/2006/metadata/properties"/>
-    <ds:schemaRef ds:uri="e4aa919a-b200-49cb-beca-4c7e0810321e"/>
-    <ds:schemaRef ds:uri="06670dda-0291-4061-b6e0-f6c0cb392c51"/>
-    <ds:schemaRef ds:uri="http://schemas.microsoft.com/office/2006/documentManagement/types"/>
-    <ds:schemaRef ds:uri="http://schemas.microsoft.com/office/infopath/2007/PartnerControls"/>
-    <ds:schemaRef ds:uri="http://purl.org/dc/dcmitype/"/>
-    <ds:schemaRef ds:uri="http://schemas.microsoft.com/sharepoint/v3"/>
-    <ds:schemaRef ds:uri="http://schemas.openxmlformats.org/package/2006/metadata/core-properties"/>
-    <ds:schemaRef ds:uri="http://www.w3.org/XML/1998/namespace"/>
-    <ds:schemaRef ds:uri="http://purl.org/dc/terms/"/>
-    <ds:schemaRef ds:uri="965de625-df5b-42e9-a277-2113da4f1195"/>
-  </ds:schemaRefs>
-</ds:datastoreItem>
+<file path=customXml/item3.xml><?xml version="1.0" encoding="utf-8"?>
+<p:properties xmlns:p="http://schemas.microsoft.com/office/2006/metadata/properties" xmlns:xsi="http://www.w3.org/2001/XMLSchema-instance" xmlns:pc="http://schemas.microsoft.com/office/infopath/2007/PartnerControls">
+  <documentManagement>
+    <MediaServiceKeyPoints xmlns="965de625-df5b-42e9-a277-2113da4f1195" xsi:nil="true"/>
+  </documentManagement>
+</p:properties>
 </file>
 
-<file path=customXml/itemProps2.xml><?xml version="1.0" encoding="utf-8"?>
+<file path=customXml/itemProps1.xml><?xml version="1.0" encoding="utf-8"?>
 <ds:datastoreItem xmlns:ds="http://schemas.openxmlformats.org/officeDocument/2006/customXml" ds:itemID="{B28DDFE8-80D6-4A60-B5D6-41E509D3A2B4}">
   <ds:schemaRefs>
     <ds:schemaRef ds:uri="http://schemas.microsoft.com/office/2006/metadata/contentType"/>
@@ -34270,10 +34957,27 @@
 </ds:datastoreItem>
 </file>
 
-<file path=customXml/itemProps3.xml><?xml version="1.0" encoding="utf-8"?>
+<file path=customXml/itemProps2.xml><?xml version="1.0" encoding="utf-8"?>
 <ds:datastoreItem xmlns:ds="http://schemas.openxmlformats.org/officeDocument/2006/customXml" ds:itemID="{758FDAC0-319D-4A54-8D8E-1D42CB1F8004}">
   <ds:schemaRefs>
     <ds:schemaRef ds:uri="http://schemas.microsoft.com/sharepoint/v3/contenttype/forms"/>
   </ds:schemaRefs>
 </ds:datastoreItem>
+</file>
+
+<file path=customXml/itemProps3.xml><?xml version="1.0" encoding="utf-8"?>
+<ds:datastoreItem xmlns:ds="http://schemas.openxmlformats.org/officeDocument/2006/customXml" ds:itemID="{F990F116-B58F-4255-B05B-DA3808E0E5C6}">
+  <ds:schemaRefs>
+    <ds:schemaRef ds:uri="http://www.w3.org/XML/1998/namespace"/>
+    <ds:schemaRef ds:uri="http://purl.org/dc/terms/"/>
+    <ds:schemaRef ds:uri="http://schemas.microsoft.com/office/2006/documentManagement/types"/>
+    <ds:schemaRef ds:uri="dcf5ddc1-fb1d-440f-849a-6450bddbaed7"/>
+    <ds:schemaRef ds:uri="http://schemas.openxmlformats.org/package/2006/metadata/core-properties"/>
+    <ds:schemaRef ds:uri="http://schemas.microsoft.com/office/2006/metadata/properties"/>
+    <ds:schemaRef ds:uri="http://purl.org/dc/elements/1.1/"/>
+    <ds:schemaRef ds:uri="http://schemas.microsoft.com/office/infopath/2007/PartnerControls"/>
+    <ds:schemaRef ds:uri="965de625-df5b-42e9-a277-2113da4f1195"/>
+    <ds:schemaRef ds:uri="http://purl.org/dc/dcmitype/"/>
+  </ds:schemaRefs>
+</ds:datastoreItem>
 </file>